--- a/Group6.pptx
+++ b/Group6.pptx
@@ -1071,7 +1071,7 @@
         </p:nvSpPr>
         <p:spPr>
           <a:xfrm>
-            <a:off x="381300" y="685800"/>
+            <a:off x="381000" y="685800"/>
             <a:ext cx="6096000" cy="3429000"/>
           </a:xfrm>
           <a:custGeom>
@@ -1487,7 +1487,7 @@
         </p:nvSpPr>
         <p:spPr>
           <a:xfrm>
-            <a:off x="381300" y="685800"/>
+            <a:off x="381000" y="685800"/>
             <a:ext cx="6096000" cy="3429000"/>
           </a:xfrm>
           <a:custGeom>
@@ -1591,7 +1591,7 @@
         </p:nvSpPr>
         <p:spPr>
           <a:xfrm>
-            <a:off x="381300" y="685800"/>
+            <a:off x="381000" y="685800"/>
             <a:ext cx="6096000" cy="3429000"/>
           </a:xfrm>
           <a:custGeom>
@@ -11873,7 +11873,7 @@
               <a:buNone/>
             </a:pPr>
             <a:r>
-              <a:rPr lang="en" sz="2250">
+              <a:rPr lang="en" sz="2250" dirty="0">
                 <a:solidFill>
                   <a:schemeClr val="dk2"/>
                 </a:solidFill>
@@ -11884,7 +11884,7 @@
               </a:rPr>
               <a:t>Risk Identification:</a:t>
             </a:r>
-            <a:endParaRPr sz="2250">
+            <a:endParaRPr sz="2250" dirty="0">
               <a:solidFill>
                 <a:schemeClr val="dk2"/>
               </a:solidFill>
@@ -11904,7 +11904,7 @@
               </a:spcAft>
               <a:buNone/>
             </a:pPr>
-            <a:endParaRPr sz="1550">
+            <a:endParaRPr sz="1550" dirty="0">
               <a:solidFill>
                 <a:schemeClr val="dk2"/>
               </a:solidFill>
@@ -11930,7 +11930,7 @@
               <a:buAutoNum type="arabicPeriod"/>
             </a:pPr>
             <a:r>
-              <a:rPr lang="en" b="1">
+              <a:rPr lang="en" b="1" dirty="0">
                 <a:solidFill>
                   <a:schemeClr val="dk2"/>
                 </a:solidFill>
@@ -11941,7 +11941,7 @@
               </a:rPr>
               <a:t>Initiation Phase</a:t>
             </a:r>
-            <a:endParaRPr b="1">
+            <a:endParaRPr b="1" dirty="0">
               <a:solidFill>
                 <a:schemeClr val="dk2"/>
               </a:solidFill>
@@ -11967,7 +11967,7 @@
               <a:buChar char="●"/>
             </a:pPr>
             <a:r>
-              <a:rPr lang="en" sz="1300">
+              <a:rPr lang="en" sz="1300" dirty="0">
                 <a:solidFill>
                   <a:schemeClr val="dk2"/>
                 </a:solidFill>
@@ -11978,7 +11978,7 @@
               </a:rPr>
               <a:t>Requirement Changes               : 	High impact</a:t>
             </a:r>
-            <a:endParaRPr sz="1300">
+            <a:endParaRPr sz="1300" dirty="0">
               <a:solidFill>
                 <a:schemeClr val="dk2"/>
               </a:solidFill>
@@ -12004,7 +12004,7 @@
               <a:buChar char="●"/>
             </a:pPr>
             <a:r>
-              <a:rPr lang="en" sz="1300">
+              <a:rPr lang="en" sz="1300" dirty="0">
                 <a:solidFill>
                   <a:schemeClr val="dk2"/>
                 </a:solidFill>
@@ -12016,7 +12016,7 @@
               <a:t>Resource Constraints    </a:t>
             </a:r>
             <a:r>
-              <a:rPr lang="en" sz="1300" b="1">
+              <a:rPr lang="en" sz="1300" b="1" dirty="0">
                 <a:solidFill>
                   <a:schemeClr val="dk2"/>
                 </a:solidFill>
@@ -12028,7 +12028,7 @@
               <a:t>            : 	</a:t>
             </a:r>
             <a:r>
-              <a:rPr lang="en" sz="1300">
+              <a:rPr lang="en" sz="1300" dirty="0">
                 <a:solidFill>
                   <a:schemeClr val="dk2"/>
                 </a:solidFill>
@@ -12039,7 +12039,7 @@
               </a:rPr>
               <a:t>Medium impact</a:t>
             </a:r>
-            <a:endParaRPr sz="1200">
+            <a:endParaRPr sz="1200" dirty="0">
               <a:solidFill>
                 <a:schemeClr val="dk2"/>
               </a:solidFill>
@@ -12059,7 +12059,7 @@
               </a:spcAft>
               <a:buNone/>
             </a:pPr>
-            <a:endParaRPr sz="1300">
+            <a:endParaRPr sz="1300" dirty="0">
               <a:solidFill>
                 <a:schemeClr val="dk2"/>
               </a:solidFill>
@@ -12070,7 +12070,7 @@
             </a:endParaRPr>
           </a:p>
           <a:p>
-            <a:pPr marL="457200" lvl="0" indent="-317500" algn="l" rtl="0">
+            <a:pPr marL="139700" lvl="0" algn="l" rtl="0">
               <a:spcBef>
                 <a:spcPts val="0"/>
               </a:spcBef>
@@ -12081,11 +12081,9 @@
                 <a:schemeClr val="dk2"/>
               </a:buClr>
               <a:buSzPts val="1400"/>
-              <a:buFont typeface="Calibri"/>
-              <a:buAutoNum type="arabicPeriod"/>
-            </a:pPr>
-            <a:r>
-              <a:rPr lang="en" b="1">
+            </a:pPr>
+            <a:r>
+              <a:rPr lang="en" b="1" dirty="0">
                 <a:solidFill>
                   <a:schemeClr val="dk2"/>
                 </a:solidFill>
@@ -12094,9 +12092,9 @@
                 <a:cs typeface="Calibri"/>
                 <a:sym typeface="Calibri"/>
               </a:rPr>
-              <a:t>Planning Phase</a:t>
-            </a:r>
-            <a:endParaRPr b="1">
+              <a:t>2.     Planning Phase</a:t>
+            </a:r>
+            <a:endParaRPr b="1" dirty="0">
               <a:solidFill>
                 <a:schemeClr val="dk2"/>
               </a:solidFill>
@@ -12122,7 +12120,7 @@
               <a:buChar char="●"/>
             </a:pPr>
             <a:r>
-              <a:rPr lang="en" sz="1300">
+              <a:rPr lang="en" sz="1300" dirty="0">
                 <a:solidFill>
                   <a:schemeClr val="dk2"/>
                 </a:solidFill>
@@ -12133,7 +12131,7 @@
               </a:rPr>
               <a:t>Budget Overruns                        : 	High impact</a:t>
             </a:r>
-            <a:endParaRPr sz="1300">
+            <a:endParaRPr sz="1300" dirty="0">
               <a:solidFill>
                 <a:schemeClr val="dk2"/>
               </a:solidFill>
@@ -12159,7 +12157,7 @@
               <a:buChar char="●"/>
             </a:pPr>
             <a:r>
-              <a:rPr lang="en" sz="1300">
+              <a:rPr lang="en" sz="1300" dirty="0">
                 <a:solidFill>
                   <a:schemeClr val="dk2"/>
                 </a:solidFill>
@@ -12170,7 +12168,7 @@
               </a:rPr>
               <a:t>Communication Breakdown    : 	Medium impact</a:t>
             </a:r>
-            <a:endParaRPr sz="1300">
+            <a:endParaRPr sz="1300" dirty="0">
               <a:solidFill>
                 <a:schemeClr val="dk2"/>
               </a:solidFill>
@@ -12190,7 +12188,7 @@
               </a:spcAft>
               <a:buNone/>
             </a:pPr>
-            <a:endParaRPr sz="1300">
+            <a:endParaRPr sz="1300" dirty="0">
               <a:solidFill>
                 <a:schemeClr val="dk2"/>
               </a:solidFill>
@@ -12201,7 +12199,7 @@
             </a:endParaRPr>
           </a:p>
           <a:p>
-            <a:pPr marL="457200" lvl="0" indent="-317500" algn="l" rtl="0">
+            <a:pPr marL="139700" lvl="0" algn="l" rtl="0">
               <a:spcBef>
                 <a:spcPts val="0"/>
               </a:spcBef>
@@ -12212,11 +12210,9 @@
                 <a:schemeClr val="dk2"/>
               </a:buClr>
               <a:buSzPts val="1400"/>
-              <a:buFont typeface="Calibri"/>
-              <a:buAutoNum type="arabicPeriod"/>
-            </a:pPr>
-            <a:r>
-              <a:rPr lang="en" b="1">
+            </a:pPr>
+            <a:r>
+              <a:rPr lang="en" b="1" dirty="0">
                 <a:solidFill>
                   <a:schemeClr val="dk2"/>
                 </a:solidFill>
@@ -12225,9 +12221,9 @@
                 <a:cs typeface="Calibri"/>
                 <a:sym typeface="Calibri"/>
               </a:rPr>
-              <a:t>Executing Phase</a:t>
-            </a:r>
-            <a:endParaRPr b="1">
+              <a:t>3.     Executing Phase</a:t>
+            </a:r>
+            <a:endParaRPr b="1" dirty="0">
               <a:solidFill>
                 <a:schemeClr val="dk2"/>
               </a:solidFill>
@@ -12253,7 +12249,7 @@
               <a:buChar char="●"/>
             </a:pPr>
             <a:r>
-              <a:rPr lang="en" sz="1300">
+              <a:rPr lang="en" sz="1300" dirty="0">
                 <a:solidFill>
                   <a:schemeClr val="dk2"/>
                 </a:solidFill>
@@ -12264,7 +12260,7 @@
               </a:rPr>
               <a:t>Technology Dependencies        : 	High impact</a:t>
             </a:r>
-            <a:endParaRPr sz="1300">
+            <a:endParaRPr sz="1300" dirty="0">
               <a:solidFill>
                 <a:schemeClr val="dk2"/>
               </a:solidFill>
@@ -12290,7 +12286,7 @@
               <a:buChar char="●"/>
             </a:pPr>
             <a:r>
-              <a:rPr lang="en" sz="1300">
+              <a:rPr lang="en" sz="1300" dirty="0">
                 <a:solidFill>
                   <a:schemeClr val="dk2"/>
                 </a:solidFill>
@@ -12301,7 +12297,7 @@
               </a:rPr>
               <a:t>Security Vulnerabilities             : 	High impact</a:t>
             </a:r>
-            <a:endParaRPr sz="1300">
+            <a:endParaRPr sz="1300" dirty="0">
               <a:solidFill>
                 <a:schemeClr val="dk2"/>
               </a:solidFill>
@@ -12327,7 +12323,7 @@
               <a:buChar char="●"/>
             </a:pPr>
             <a:r>
-              <a:rPr lang="en" sz="1300">
+              <a:rPr lang="en" sz="1300" dirty="0">
                 <a:solidFill>
                   <a:schemeClr val="dk2"/>
                 </a:solidFill>
@@ -12338,7 +12334,7 @@
               </a:rPr>
               <a:t>Quality Assurance                      : 	High impact</a:t>
             </a:r>
-            <a:endParaRPr sz="1300">
+            <a:endParaRPr sz="1300" dirty="0">
               <a:solidFill>
                 <a:schemeClr val="dk2"/>
               </a:solidFill>
@@ -12364,7 +12360,7 @@
               <a:buChar char="●"/>
             </a:pPr>
             <a:r>
-              <a:rPr lang="en" sz="1300">
+              <a:rPr lang="en" sz="1300" dirty="0">
                 <a:solidFill>
                   <a:schemeClr val="dk2"/>
                 </a:solidFill>
@@ -12375,7 +12371,7 @@
               </a:rPr>
               <a:t>Integration Challenges              : 	Medium impact</a:t>
             </a:r>
-            <a:endParaRPr sz="1300">
+            <a:endParaRPr sz="1300" dirty="0">
               <a:solidFill>
                 <a:schemeClr val="dk2"/>
               </a:solidFill>
@@ -12395,7 +12391,7 @@
               </a:spcAft>
               <a:buNone/>
             </a:pPr>
-            <a:endParaRPr b="1">
+            <a:endParaRPr b="1" dirty="0">
               <a:solidFill>
                 <a:schemeClr val="dk2"/>
               </a:solidFill>
@@ -12415,7 +12411,7 @@
               </a:spcAft>
               <a:buNone/>
             </a:pPr>
-            <a:endParaRPr sz="1200">
+            <a:endParaRPr sz="1200" dirty="0">
               <a:solidFill>
                 <a:schemeClr val="dk2"/>
               </a:solidFill>
@@ -12436,7 +12432,7 @@
         <p:spPr>
           <a:xfrm>
             <a:off x="5096525" y="1524175"/>
-            <a:ext cx="3771900" cy="800400"/>
+            <a:ext cx="3771900" cy="800189"/>
           </a:xfrm>
           <a:prstGeom prst="rect">
             <a:avLst/>
@@ -12467,7 +12463,7 @@
               <a:buAutoNum type="arabicPeriod" startAt="4"/>
             </a:pPr>
             <a:r>
-              <a:rPr lang="en" b="1">
+              <a:rPr lang="en" b="1" dirty="0">
                 <a:solidFill>
                   <a:schemeClr val="dk2"/>
                 </a:solidFill>
@@ -12478,7 +12474,7 @@
               </a:rPr>
               <a:t>Monitoring and Control Phase</a:t>
             </a:r>
-            <a:endParaRPr b="1">
+            <a:endParaRPr b="1" dirty="0">
               <a:solidFill>
                 <a:schemeClr val="dk2"/>
               </a:solidFill>
@@ -12504,7 +12500,7 @@
               <a:buChar char="●"/>
             </a:pPr>
             <a:r>
-              <a:rPr lang="en" sz="1300">
+              <a:rPr lang="en" sz="1300" dirty="0">
                 <a:solidFill>
                   <a:schemeClr val="dk2"/>
                 </a:solidFill>
@@ -12513,9 +12509,9 @@
                 <a:cs typeface="Calibri"/>
                 <a:sym typeface="Calibri"/>
               </a:rPr>
-              <a:t>Scope Creep            : 	        High impact</a:t>
-            </a:r>
-            <a:endParaRPr sz="1300">
+              <a:t>Scope Creep            :          High impact</a:t>
+            </a:r>
+            <a:endParaRPr sz="1300" dirty="0">
               <a:solidFill>
                 <a:schemeClr val="dk2"/>
               </a:solidFill>
@@ -12541,7 +12537,7 @@
               <a:buChar char="●"/>
             </a:pPr>
             <a:r>
-              <a:rPr lang="en" sz="1300">
+              <a:rPr lang="en" sz="1300" dirty="0">
                 <a:solidFill>
                   <a:schemeClr val="dk2"/>
                 </a:solidFill>
@@ -12552,7 +12548,7 @@
               </a:rPr>
               <a:t>Deployment Risks  :          High impact</a:t>
             </a:r>
-            <a:endParaRPr sz="1300">
+            <a:endParaRPr sz="1300" dirty="0">
               <a:solidFill>
                 <a:schemeClr val="dk2"/>
               </a:solidFill>
@@ -14166,7 +14162,7 @@
               <a:buNone/>
             </a:pPr>
             <a:r>
-              <a:rPr lang="en" sz="2150">
+              <a:rPr lang="en" sz="2150" dirty="0">
                 <a:solidFill>
                   <a:schemeClr val="dk2"/>
                 </a:solidFill>
@@ -14177,7 +14173,7 @@
               </a:rPr>
               <a:t>Budgeting Breakdown:</a:t>
             </a:r>
-            <a:endParaRPr sz="2150">
+            <a:endParaRPr sz="2150" dirty="0">
               <a:solidFill>
                 <a:schemeClr val="dk2"/>
               </a:solidFill>
@@ -14197,7 +14193,7 @@
               </a:spcAft>
               <a:buNone/>
             </a:pPr>
-            <a:endParaRPr sz="1300">
+            <a:endParaRPr sz="1300" dirty="0">
               <a:solidFill>
                 <a:schemeClr val="dk2"/>
               </a:solidFill>
@@ -14223,7 +14219,7 @@
               <a:buAutoNum type="arabicPeriod"/>
             </a:pPr>
             <a:r>
-              <a:rPr lang="en" sz="1300" b="1">
+              <a:rPr lang="en" sz="1300" b="1" dirty="0">
                 <a:solidFill>
                   <a:schemeClr val="dk2"/>
                 </a:solidFill>
@@ -14234,7 +14230,7 @@
               </a:rPr>
               <a:t>Development:</a:t>
             </a:r>
-            <a:endParaRPr sz="1300" b="1">
+            <a:endParaRPr sz="1300" b="1" dirty="0">
               <a:solidFill>
                 <a:schemeClr val="dk2"/>
               </a:solidFill>
@@ -14260,7 +14256,7 @@
               <a:buChar char="●"/>
             </a:pPr>
             <a:r>
-              <a:rPr lang="en" sz="1200">
+              <a:rPr lang="en" sz="1200" dirty="0">
                 <a:solidFill>
                   <a:schemeClr val="dk2"/>
                 </a:solidFill>
@@ -14271,7 +14267,7 @@
               </a:rPr>
               <a:t>Salaries</a:t>
             </a:r>
-            <a:endParaRPr sz="1200">
+            <a:endParaRPr sz="1200" dirty="0">
               <a:solidFill>
                 <a:schemeClr val="dk2"/>
               </a:solidFill>
@@ -14297,7 +14293,7 @@
               <a:buChar char="●"/>
             </a:pPr>
             <a:r>
-              <a:rPr lang="en" sz="1200">
+              <a:rPr lang="en" sz="1200" dirty="0">
                 <a:solidFill>
                   <a:schemeClr val="dk2"/>
                 </a:solidFill>
@@ -14308,7 +14304,7 @@
               </a:rPr>
               <a:t>Licensing,</a:t>
             </a:r>
-            <a:endParaRPr sz="1200">
+            <a:endParaRPr sz="1200" dirty="0">
               <a:solidFill>
                 <a:schemeClr val="dk2"/>
               </a:solidFill>
@@ -14334,7 +14330,7 @@
               <a:buChar char="●"/>
             </a:pPr>
             <a:r>
-              <a:rPr lang="en" sz="1200">
+              <a:rPr lang="en" sz="1200" dirty="0">
                 <a:solidFill>
                   <a:schemeClr val="dk2"/>
                 </a:solidFill>
@@ -14345,7 +14341,7 @@
               </a:rPr>
               <a:t>Infrastructure</a:t>
             </a:r>
-            <a:endParaRPr sz="1200">
+            <a:endParaRPr sz="1200" dirty="0">
               <a:solidFill>
                 <a:schemeClr val="dk2"/>
               </a:solidFill>
@@ -14356,7 +14352,7 @@
             </a:endParaRPr>
           </a:p>
           <a:p>
-            <a:pPr marL="457200" lvl="0" indent="-311150" algn="l" rtl="0">
+            <a:pPr marL="146050" lvl="0" algn="l" rtl="0">
               <a:spcBef>
                 <a:spcPts val="1000"/>
               </a:spcBef>
@@ -14367,11 +14363,9 @@
                 <a:schemeClr val="dk2"/>
               </a:buClr>
               <a:buSzPts val="1300"/>
-              <a:buFont typeface="Calibri"/>
-              <a:buAutoNum type="arabicPeriod"/>
-            </a:pPr>
-            <a:r>
-              <a:rPr lang="en" sz="1300" b="1">
+            </a:pPr>
+            <a:r>
+              <a:rPr lang="en" sz="1300" b="1" dirty="0">
                 <a:solidFill>
                   <a:schemeClr val="dk2"/>
                 </a:solidFill>
@@ -14380,9 +14374,9 @@
                 <a:cs typeface="Calibri"/>
                 <a:sym typeface="Calibri"/>
               </a:rPr>
-              <a:t>Testing:</a:t>
-            </a:r>
-            <a:endParaRPr sz="1300" b="1">
+              <a:t>2.     Testing:</a:t>
+            </a:r>
+            <a:endParaRPr sz="1300" b="1" dirty="0">
               <a:solidFill>
                 <a:schemeClr val="dk2"/>
               </a:solidFill>
@@ -14408,7 +14402,7 @@
               <a:buChar char="●"/>
             </a:pPr>
             <a:r>
-              <a:rPr lang="en" sz="1200">
+              <a:rPr lang="en" sz="1200" dirty="0">
                 <a:latin typeface="Calibri"/>
                 <a:ea typeface="Calibri"/>
                 <a:cs typeface="Calibri"/>
@@ -14416,7 +14410,7 @@
               </a:rPr>
               <a:t>Salaries</a:t>
             </a:r>
-            <a:endParaRPr sz="1200">
+            <a:endParaRPr sz="1200" dirty="0">
               <a:latin typeface="Calibri"/>
               <a:ea typeface="Calibri"/>
               <a:cs typeface="Calibri"/>
@@ -14439,7 +14433,7 @@
               <a:buChar char="●"/>
             </a:pPr>
             <a:r>
-              <a:rPr lang="en" sz="1200">
+              <a:rPr lang="en" sz="1200" dirty="0">
                 <a:latin typeface="Calibri"/>
                 <a:ea typeface="Calibri"/>
                 <a:cs typeface="Calibri"/>
@@ -14447,7 +14441,7 @@
               </a:rPr>
               <a:t>Testing Tools</a:t>
             </a:r>
-            <a:endParaRPr sz="1200">
+            <a:endParaRPr sz="1200" dirty="0">
               <a:latin typeface="Calibri"/>
               <a:ea typeface="Calibri"/>
               <a:cs typeface="Calibri"/>
@@ -14470,7 +14464,7 @@
               <a:buChar char="●"/>
             </a:pPr>
             <a:r>
-              <a:rPr lang="en" sz="1200">
+              <a:rPr lang="en" sz="1200" dirty="0">
                 <a:latin typeface="Calibri"/>
                 <a:ea typeface="Calibri"/>
                 <a:cs typeface="Calibri"/>
@@ -14478,7 +14472,7 @@
               </a:rPr>
               <a:t>Infrastructure</a:t>
             </a:r>
-            <a:endParaRPr sz="1200">
+            <a:endParaRPr sz="1200" dirty="0">
               <a:latin typeface="Calibri"/>
               <a:ea typeface="Calibri"/>
               <a:cs typeface="Calibri"/>
@@ -14486,7 +14480,7 @@
             </a:endParaRPr>
           </a:p>
           <a:p>
-            <a:pPr marL="457200" lvl="0" indent="-311150" algn="l" rtl="0">
+            <a:pPr marL="146050" lvl="0" algn="l" rtl="0">
               <a:spcBef>
                 <a:spcPts val="1000"/>
               </a:spcBef>
@@ -14497,11 +14491,9 @@
                 <a:schemeClr val="dk2"/>
               </a:buClr>
               <a:buSzPts val="1300"/>
-              <a:buFont typeface="Calibri"/>
-              <a:buAutoNum type="arabicPeriod"/>
-            </a:pPr>
-            <a:r>
-              <a:rPr lang="en" sz="1300" b="1">
+            </a:pPr>
+            <a:r>
+              <a:rPr lang="en" sz="1300" b="1" dirty="0">
                 <a:solidFill>
                   <a:schemeClr val="dk2"/>
                 </a:solidFill>
@@ -14510,9 +14502,9 @@
                 <a:cs typeface="Calibri"/>
                 <a:sym typeface="Calibri"/>
               </a:rPr>
-              <a:t>Marketing :</a:t>
-            </a:r>
-            <a:endParaRPr sz="1300" b="1">
+              <a:t>3.     Marketing :</a:t>
+            </a:r>
+            <a:endParaRPr sz="1300" b="1" dirty="0">
               <a:solidFill>
                 <a:schemeClr val="dk2"/>
               </a:solidFill>
@@ -14538,7 +14530,7 @@
               <a:buChar char="●"/>
             </a:pPr>
             <a:r>
-              <a:rPr lang="en" sz="1200">
+              <a:rPr lang="en" sz="1200" dirty="0">
                 <a:latin typeface="Calibri"/>
                 <a:ea typeface="Calibri"/>
                 <a:cs typeface="Calibri"/>
@@ -14546,7 +14538,7 @@
               </a:rPr>
               <a:t>Digital Marketing</a:t>
             </a:r>
-            <a:endParaRPr sz="1200">
+            <a:endParaRPr sz="1200" dirty="0">
               <a:latin typeface="Calibri"/>
               <a:ea typeface="Calibri"/>
               <a:cs typeface="Calibri"/>
@@ -14569,7 +14561,7 @@
               <a:buChar char="●"/>
             </a:pPr>
             <a:r>
-              <a:rPr lang="en" sz="1200">
+              <a:rPr lang="en" sz="1200" dirty="0">
                 <a:latin typeface="Calibri"/>
                 <a:ea typeface="Calibri"/>
                 <a:cs typeface="Calibri"/>
@@ -14577,7 +14569,7 @@
               </a:rPr>
               <a:t>Website Development</a:t>
             </a:r>
-            <a:endParaRPr sz="1200">
+            <a:endParaRPr sz="1200" dirty="0">
               <a:latin typeface="Calibri"/>
               <a:ea typeface="Calibri"/>
               <a:cs typeface="Calibri"/>
@@ -14600,7 +14592,7 @@
               <a:buChar char="●"/>
             </a:pPr>
             <a:r>
-              <a:rPr lang="en" sz="1200">
+              <a:rPr lang="en" sz="1200" dirty="0">
                 <a:latin typeface="Calibri"/>
                 <a:ea typeface="Calibri"/>
                 <a:cs typeface="Calibri"/>
@@ -14608,7 +14600,7 @@
               </a:rPr>
               <a:t>Campaigns/Events</a:t>
             </a:r>
-            <a:endParaRPr sz="1200">
+            <a:endParaRPr sz="1200" dirty="0">
               <a:solidFill>
                 <a:schemeClr val="dk2"/>
               </a:solidFill>
@@ -14660,7 +14652,7 @@
               <a:buAutoNum type="arabicPeriod" startAt="4"/>
             </a:pPr>
             <a:r>
-              <a:rPr lang="en" sz="1300" b="1">
+              <a:rPr lang="en" sz="1300" b="1" dirty="0">
                 <a:solidFill>
                   <a:schemeClr val="dk2"/>
                 </a:solidFill>
@@ -14671,7 +14663,7 @@
               </a:rPr>
               <a:t>Ongoing Maintenance:</a:t>
             </a:r>
-            <a:endParaRPr sz="1300" b="1">
+            <a:endParaRPr sz="1300" b="1" dirty="0">
               <a:solidFill>
                 <a:schemeClr val="dk2"/>
               </a:solidFill>
@@ -14697,7 +14689,7 @@
               <a:buChar char="●"/>
             </a:pPr>
             <a:r>
-              <a:rPr lang="en" sz="1200">
+              <a:rPr lang="en" sz="1200" dirty="0">
                 <a:latin typeface="Calibri"/>
                 <a:ea typeface="Calibri"/>
                 <a:cs typeface="Calibri"/>
@@ -14705,7 +14697,7 @@
               </a:rPr>
               <a:t>Salaries</a:t>
             </a:r>
-            <a:endParaRPr sz="1200">
+            <a:endParaRPr sz="1200" dirty="0">
               <a:latin typeface="Calibri"/>
               <a:ea typeface="Calibri"/>
               <a:cs typeface="Calibri"/>
@@ -14728,7 +14720,7 @@
               <a:buChar char="●"/>
             </a:pPr>
             <a:r>
-              <a:rPr lang="en" sz="1200">
+              <a:rPr lang="en" sz="1200" dirty="0">
                 <a:latin typeface="Calibri"/>
                 <a:ea typeface="Calibri"/>
                 <a:cs typeface="Calibri"/>
@@ -14736,7 +14728,7 @@
               </a:rPr>
               <a:t>Subscriptions</a:t>
             </a:r>
-            <a:endParaRPr sz="1200">
+            <a:endParaRPr sz="1200" dirty="0">
               <a:latin typeface="Calibri"/>
               <a:ea typeface="Calibri"/>
               <a:cs typeface="Calibri"/>
@@ -14759,7 +14751,7 @@
               <a:buChar char="●"/>
             </a:pPr>
             <a:r>
-              <a:rPr lang="en" sz="1200">
+              <a:rPr lang="en" sz="1200" dirty="0">
                 <a:latin typeface="Calibri"/>
                 <a:ea typeface="Calibri"/>
                 <a:cs typeface="Calibri"/>
@@ -14767,7 +14759,7 @@
               </a:rPr>
               <a:t>Infrastructure</a:t>
             </a:r>
-            <a:endParaRPr sz="1200">
+            <a:endParaRPr sz="1200" dirty="0">
               <a:latin typeface="Calibri"/>
               <a:ea typeface="Calibri"/>
               <a:cs typeface="Calibri"/>
@@ -14775,7 +14767,7 @@
             </a:endParaRPr>
           </a:p>
           <a:p>
-            <a:pPr marL="457200" lvl="0" indent="-311150" algn="l" rtl="0">
+            <a:pPr marL="146050" lvl="0" algn="l" rtl="0">
               <a:spcBef>
                 <a:spcPts val="1000"/>
               </a:spcBef>
@@ -14786,11 +14778,9 @@
                 <a:schemeClr val="dk2"/>
               </a:buClr>
               <a:buSzPts val="1300"/>
-              <a:buFont typeface="Calibri"/>
-              <a:buAutoNum type="arabicPeriod" startAt="4"/>
-            </a:pPr>
-            <a:r>
-              <a:rPr lang="en" sz="1300" b="1">
+            </a:pPr>
+            <a:r>
+              <a:rPr lang="en" sz="1300" b="1" dirty="0">
                 <a:solidFill>
                   <a:schemeClr val="dk2"/>
                 </a:solidFill>
@@ -14799,9 +14789,9 @@
                 <a:cs typeface="Calibri"/>
                 <a:sym typeface="Calibri"/>
               </a:rPr>
-              <a:t>Contingency Budget:</a:t>
-            </a:r>
-            <a:endParaRPr sz="1300" b="1">
+              <a:t>5.     Contingency Budget:</a:t>
+            </a:r>
+            <a:endParaRPr sz="1300" b="1" dirty="0">
               <a:solidFill>
                 <a:schemeClr val="dk2"/>
               </a:solidFill>
@@ -14830,7 +14820,7 @@
               <a:buChar char="●"/>
             </a:pPr>
             <a:r>
-              <a:rPr lang="en" sz="1200">
+              <a:rPr lang="en" sz="1200" dirty="0">
                 <a:latin typeface="Calibri"/>
                 <a:ea typeface="Calibri"/>
                 <a:cs typeface="Calibri"/>
@@ -14838,7 +14828,7 @@
               </a:rPr>
               <a:t>Allocation: 10% of the total budget</a:t>
             </a:r>
-            <a:endParaRPr sz="1200">
+            <a:endParaRPr sz="1200" dirty="0">
               <a:latin typeface="Calibri"/>
               <a:ea typeface="Calibri"/>
               <a:cs typeface="Calibri"/>
@@ -14864,7 +14854,7 @@
               <a:buChar char="●"/>
             </a:pPr>
             <a:r>
-              <a:rPr lang="en" sz="1200">
+              <a:rPr lang="en" sz="1200" dirty="0">
                 <a:latin typeface="Calibri"/>
                 <a:ea typeface="Calibri"/>
                 <a:cs typeface="Calibri"/>
@@ -14872,7 +14862,7 @@
               </a:rPr>
               <a:t>Rationale: Provides a buffer for unforeseen expenses.</a:t>
             </a:r>
-            <a:endParaRPr sz="1300" b="1">
+            <a:endParaRPr sz="1300" b="1" dirty="0">
               <a:solidFill>
                 <a:schemeClr val="dk2"/>
               </a:solidFill>
@@ -14892,7 +14882,7 @@
               </a:spcAft>
               <a:buNone/>
             </a:pPr>
-            <a:endParaRPr sz="1200">
+            <a:endParaRPr sz="1200" dirty="0">
               <a:solidFill>
                 <a:schemeClr val="dk2"/>
               </a:solidFill>
@@ -15006,7 +14996,7 @@
               <a:buNone/>
             </a:pPr>
             <a:r>
-              <a:rPr lang="en" sz="2150">
+              <a:rPr lang="en" sz="2150" dirty="0">
                 <a:solidFill>
                   <a:schemeClr val="dk2"/>
                 </a:solidFill>
@@ -15017,7 +15007,7 @@
               </a:rPr>
               <a:t>Budgeting Breakdown:</a:t>
             </a:r>
-            <a:endParaRPr sz="2150">
+            <a:endParaRPr sz="2150" dirty="0">
               <a:solidFill>
                 <a:schemeClr val="dk2"/>
               </a:solidFill>
@@ -15037,7 +15027,7 @@
               </a:spcAft>
               <a:buNone/>
             </a:pPr>
-            <a:endParaRPr sz="1300">
+            <a:endParaRPr sz="1300" dirty="0">
               <a:solidFill>
                 <a:schemeClr val="dk2"/>
               </a:solidFill>
@@ -15063,7 +15053,7 @@
               <a:buAutoNum type="arabicPeriod"/>
             </a:pPr>
             <a:r>
-              <a:rPr lang="en" sz="1300" b="1">
+              <a:rPr lang="en" sz="1300" b="1" dirty="0">
                 <a:solidFill>
                   <a:schemeClr val="dk2"/>
                 </a:solidFill>
@@ -15074,7 +15064,7 @@
               </a:rPr>
               <a:t>Development:</a:t>
             </a:r>
-            <a:endParaRPr sz="1300" b="1">
+            <a:endParaRPr sz="1300" b="1" dirty="0">
               <a:solidFill>
                 <a:schemeClr val="dk2"/>
               </a:solidFill>
@@ -15100,7 +15090,7 @@
               <a:buChar char="●"/>
             </a:pPr>
             <a:r>
-              <a:rPr lang="en" sz="1200">
+              <a:rPr lang="en" sz="1200" dirty="0">
                 <a:solidFill>
                   <a:srgbClr val="FF0000"/>
                 </a:solidFill>
@@ -15111,7 +15101,7 @@
               </a:rPr>
               <a:t>Salaries</a:t>
             </a:r>
-            <a:endParaRPr sz="1200">
+            <a:endParaRPr sz="1200" dirty="0">
               <a:solidFill>
                 <a:srgbClr val="FF0000"/>
               </a:solidFill>
@@ -15137,7 +15127,7 @@
               <a:buChar char="●"/>
             </a:pPr>
             <a:r>
-              <a:rPr lang="en" sz="1200">
+              <a:rPr lang="en" sz="1200" dirty="0">
                 <a:solidFill>
                   <a:schemeClr val="dk2"/>
                 </a:solidFill>
@@ -15148,7 +15138,7 @@
               </a:rPr>
               <a:t>Licensing,</a:t>
             </a:r>
-            <a:endParaRPr sz="1200">
+            <a:endParaRPr sz="1200" dirty="0">
               <a:solidFill>
                 <a:schemeClr val="dk2"/>
               </a:solidFill>
@@ -15174,7 +15164,7 @@
               <a:buChar char="●"/>
             </a:pPr>
             <a:r>
-              <a:rPr lang="en" sz="1200">
+              <a:rPr lang="en" sz="1200" dirty="0">
                 <a:solidFill>
                   <a:schemeClr val="dk2"/>
                 </a:solidFill>
@@ -15185,7 +15175,7 @@
               </a:rPr>
               <a:t>Infrastructure</a:t>
             </a:r>
-            <a:endParaRPr sz="1200">
+            <a:endParaRPr sz="1200" dirty="0">
               <a:solidFill>
                 <a:schemeClr val="dk2"/>
               </a:solidFill>
@@ -15196,7 +15186,7 @@
             </a:endParaRPr>
           </a:p>
           <a:p>
-            <a:pPr marL="457200" lvl="0" indent="-311150" algn="l" rtl="0">
+            <a:pPr marL="146050" lvl="0" algn="l" rtl="0">
               <a:spcBef>
                 <a:spcPts val="1000"/>
               </a:spcBef>
@@ -15207,11 +15197,9 @@
                 <a:schemeClr val="dk2"/>
               </a:buClr>
               <a:buSzPts val="1300"/>
-              <a:buFont typeface="Calibri"/>
-              <a:buAutoNum type="arabicPeriod"/>
-            </a:pPr>
-            <a:r>
-              <a:rPr lang="en" sz="1300" b="1">
+            </a:pPr>
+            <a:r>
+              <a:rPr lang="en" sz="1300" b="1" dirty="0">
                 <a:solidFill>
                   <a:schemeClr val="dk2"/>
                 </a:solidFill>
@@ -15220,9 +15208,9 @@
                 <a:cs typeface="Calibri"/>
                 <a:sym typeface="Calibri"/>
               </a:rPr>
-              <a:t>Testing:</a:t>
-            </a:r>
-            <a:endParaRPr sz="1300" b="1">
+              <a:t>2.     Testing:</a:t>
+            </a:r>
+            <a:endParaRPr sz="1300" b="1" dirty="0">
               <a:solidFill>
                 <a:schemeClr val="dk2"/>
               </a:solidFill>
@@ -15251,7 +15239,7 @@
               <a:buChar char="●"/>
             </a:pPr>
             <a:r>
-              <a:rPr lang="en" sz="1200">
+              <a:rPr lang="en" sz="1200" dirty="0">
                 <a:solidFill>
                   <a:srgbClr val="FF0000"/>
                 </a:solidFill>
@@ -15262,7 +15250,7 @@
               </a:rPr>
               <a:t>Salaries</a:t>
             </a:r>
-            <a:endParaRPr sz="1200">
+            <a:endParaRPr sz="1200" dirty="0">
               <a:solidFill>
                 <a:srgbClr val="FF0000"/>
               </a:solidFill>
@@ -15288,7 +15276,7 @@
               <a:buChar char="●"/>
             </a:pPr>
             <a:r>
-              <a:rPr lang="en" sz="1200">
+              <a:rPr lang="en" sz="1200" dirty="0">
                 <a:latin typeface="Calibri"/>
                 <a:ea typeface="Calibri"/>
                 <a:cs typeface="Calibri"/>
@@ -15296,7 +15284,7 @@
               </a:rPr>
               <a:t>Testing Tools</a:t>
             </a:r>
-            <a:endParaRPr sz="1200">
+            <a:endParaRPr sz="1200" dirty="0">
               <a:latin typeface="Calibri"/>
               <a:ea typeface="Calibri"/>
               <a:cs typeface="Calibri"/>
@@ -15319,7 +15307,7 @@
               <a:buChar char="●"/>
             </a:pPr>
             <a:r>
-              <a:rPr lang="en" sz="1200">
+              <a:rPr lang="en" sz="1200" dirty="0">
                 <a:latin typeface="Calibri"/>
                 <a:ea typeface="Calibri"/>
                 <a:cs typeface="Calibri"/>
@@ -15327,7 +15315,7 @@
               </a:rPr>
               <a:t>Infrastructure</a:t>
             </a:r>
-            <a:endParaRPr sz="1200">
+            <a:endParaRPr sz="1200" dirty="0">
               <a:latin typeface="Calibri"/>
               <a:ea typeface="Calibri"/>
               <a:cs typeface="Calibri"/>
@@ -15335,7 +15323,7 @@
             </a:endParaRPr>
           </a:p>
           <a:p>
-            <a:pPr marL="457200" lvl="0" indent="-311150" algn="l" rtl="0">
+            <a:pPr marL="146050" lvl="0" algn="l" rtl="0">
               <a:spcBef>
                 <a:spcPts val="1000"/>
               </a:spcBef>
@@ -15346,11 +15334,9 @@
                 <a:schemeClr val="dk2"/>
               </a:buClr>
               <a:buSzPts val="1300"/>
-              <a:buFont typeface="Calibri"/>
-              <a:buAutoNum type="arabicPeriod"/>
-            </a:pPr>
-            <a:r>
-              <a:rPr lang="en" sz="1300" b="1">
+            </a:pPr>
+            <a:r>
+              <a:rPr lang="en" sz="1300" b="1" dirty="0">
                 <a:solidFill>
                   <a:schemeClr val="dk2"/>
                 </a:solidFill>
@@ -15359,9 +15345,9 @@
                 <a:cs typeface="Calibri"/>
                 <a:sym typeface="Calibri"/>
               </a:rPr>
-              <a:t>Marketing :</a:t>
-            </a:r>
-            <a:endParaRPr sz="1300" b="1">
+              <a:t>3.     Marketing :</a:t>
+            </a:r>
+            <a:endParaRPr sz="1300" b="1" dirty="0">
               <a:solidFill>
                 <a:schemeClr val="dk2"/>
               </a:solidFill>
@@ -15387,7 +15373,7 @@
               <a:buChar char="●"/>
             </a:pPr>
             <a:r>
-              <a:rPr lang="en" sz="1200">
+              <a:rPr lang="en" sz="1200" dirty="0">
                 <a:latin typeface="Calibri"/>
                 <a:ea typeface="Calibri"/>
                 <a:cs typeface="Calibri"/>
@@ -15395,7 +15381,7 @@
               </a:rPr>
               <a:t>Digital Marketing</a:t>
             </a:r>
-            <a:endParaRPr sz="1200">
+            <a:endParaRPr sz="1200" dirty="0">
               <a:latin typeface="Calibri"/>
               <a:ea typeface="Calibri"/>
               <a:cs typeface="Calibri"/>
@@ -15418,7 +15404,7 @@
               <a:buChar char="●"/>
             </a:pPr>
             <a:r>
-              <a:rPr lang="en" sz="1200">
+              <a:rPr lang="en" sz="1200" dirty="0">
                 <a:latin typeface="Calibri"/>
                 <a:ea typeface="Calibri"/>
                 <a:cs typeface="Calibri"/>
@@ -15426,7 +15412,7 @@
               </a:rPr>
               <a:t>Website Development</a:t>
             </a:r>
-            <a:endParaRPr sz="1200">
+            <a:endParaRPr sz="1200" dirty="0">
               <a:latin typeface="Calibri"/>
               <a:ea typeface="Calibri"/>
               <a:cs typeface="Calibri"/>
@@ -15449,7 +15435,7 @@
               <a:buChar char="●"/>
             </a:pPr>
             <a:r>
-              <a:rPr lang="en" sz="1200">
+              <a:rPr lang="en" sz="1200" dirty="0">
                 <a:latin typeface="Calibri"/>
                 <a:ea typeface="Calibri"/>
                 <a:cs typeface="Calibri"/>
@@ -15457,7 +15443,7 @@
               </a:rPr>
               <a:t>Campaigns/Events</a:t>
             </a:r>
-            <a:endParaRPr sz="1200">
+            <a:endParaRPr sz="1200" dirty="0">
               <a:solidFill>
                 <a:schemeClr val="dk2"/>
               </a:solidFill>
@@ -15509,7 +15495,7 @@
               <a:buAutoNum type="arabicPeriod" startAt="4"/>
             </a:pPr>
             <a:r>
-              <a:rPr lang="en" sz="1300" b="1">
+              <a:rPr lang="en" sz="1300" b="1" dirty="0">
                 <a:solidFill>
                   <a:schemeClr val="dk2"/>
                 </a:solidFill>
@@ -15520,7 +15506,7 @@
               </a:rPr>
               <a:t>Ongoing Maintenance:</a:t>
             </a:r>
-            <a:endParaRPr sz="1300" b="1">
+            <a:endParaRPr sz="1300" b="1" dirty="0">
               <a:solidFill>
                 <a:schemeClr val="dk2"/>
               </a:solidFill>
@@ -15549,7 +15535,7 @@
               <a:buChar char="●"/>
             </a:pPr>
             <a:r>
-              <a:rPr lang="en" sz="1200">
+              <a:rPr lang="en" sz="1200" dirty="0">
                 <a:solidFill>
                   <a:srgbClr val="FF0000"/>
                 </a:solidFill>
@@ -15560,7 +15546,7 @@
               </a:rPr>
               <a:t>Salaries</a:t>
             </a:r>
-            <a:endParaRPr sz="1200">
+            <a:endParaRPr sz="1200" dirty="0">
               <a:solidFill>
                 <a:srgbClr val="FF0000"/>
               </a:solidFill>
@@ -15586,7 +15572,7 @@
               <a:buChar char="●"/>
             </a:pPr>
             <a:r>
-              <a:rPr lang="en" sz="1200">
+              <a:rPr lang="en" sz="1200" dirty="0">
                 <a:latin typeface="Calibri"/>
                 <a:ea typeface="Calibri"/>
                 <a:cs typeface="Calibri"/>
@@ -15594,7 +15580,7 @@
               </a:rPr>
               <a:t>Subscriptions</a:t>
             </a:r>
-            <a:endParaRPr sz="1200">
+            <a:endParaRPr sz="1200" dirty="0">
               <a:latin typeface="Calibri"/>
               <a:ea typeface="Calibri"/>
               <a:cs typeface="Calibri"/>
@@ -15617,7 +15603,7 @@
               <a:buChar char="●"/>
             </a:pPr>
             <a:r>
-              <a:rPr lang="en" sz="1200">
+              <a:rPr lang="en" sz="1200" dirty="0">
                 <a:latin typeface="Calibri"/>
                 <a:ea typeface="Calibri"/>
                 <a:cs typeface="Calibri"/>
@@ -15625,7 +15611,7 @@
               </a:rPr>
               <a:t>Infrastructure</a:t>
             </a:r>
-            <a:endParaRPr sz="1200">
+            <a:endParaRPr sz="1200" dirty="0">
               <a:latin typeface="Calibri"/>
               <a:ea typeface="Calibri"/>
               <a:cs typeface="Calibri"/>
@@ -15633,7 +15619,7 @@
             </a:endParaRPr>
           </a:p>
           <a:p>
-            <a:pPr marL="457200" lvl="0" indent="-311150" algn="l" rtl="0">
+            <a:pPr marL="146050" lvl="0" algn="l" rtl="0">
               <a:spcBef>
                 <a:spcPts val="1000"/>
               </a:spcBef>
@@ -15644,11 +15630,9 @@
                 <a:schemeClr val="dk2"/>
               </a:buClr>
               <a:buSzPts val="1300"/>
-              <a:buFont typeface="Calibri"/>
-              <a:buAutoNum type="arabicPeriod" startAt="4"/>
-            </a:pPr>
-            <a:r>
-              <a:rPr lang="en" sz="1300" b="1">
+            </a:pPr>
+            <a:r>
+              <a:rPr lang="en" sz="1300" b="1" dirty="0">
                 <a:solidFill>
                   <a:schemeClr val="dk2"/>
                 </a:solidFill>
@@ -15657,9 +15641,9 @@
                 <a:cs typeface="Calibri"/>
                 <a:sym typeface="Calibri"/>
               </a:rPr>
-              <a:t>Contingency Budget:</a:t>
-            </a:r>
-            <a:endParaRPr sz="1300" b="1">
+              <a:t>5.     Contingency Budget:</a:t>
+            </a:r>
+            <a:endParaRPr sz="1300" b="1" dirty="0">
               <a:solidFill>
                 <a:schemeClr val="dk2"/>
               </a:solidFill>
@@ -15688,7 +15672,7 @@
               <a:buChar char="●"/>
             </a:pPr>
             <a:r>
-              <a:rPr lang="en" sz="1200">
+              <a:rPr lang="en" sz="1200" dirty="0">
                 <a:latin typeface="Calibri"/>
                 <a:ea typeface="Calibri"/>
                 <a:cs typeface="Calibri"/>
@@ -15696,7 +15680,7 @@
               </a:rPr>
               <a:t>Allocation: 10% of the total budget</a:t>
             </a:r>
-            <a:endParaRPr sz="1200">
+            <a:endParaRPr sz="1200" dirty="0">
               <a:latin typeface="Calibri"/>
               <a:ea typeface="Calibri"/>
               <a:cs typeface="Calibri"/>
@@ -15722,7 +15706,7 @@
               <a:buChar char="●"/>
             </a:pPr>
             <a:r>
-              <a:rPr lang="en" sz="1200">
+              <a:rPr lang="en" sz="1200" dirty="0">
                 <a:latin typeface="Calibri"/>
                 <a:ea typeface="Calibri"/>
                 <a:cs typeface="Calibri"/>
@@ -15730,7 +15714,7 @@
               </a:rPr>
               <a:t>Rationale: Provides a buffer for unforeseen expenses.</a:t>
             </a:r>
-            <a:endParaRPr sz="1300" b="1">
+            <a:endParaRPr sz="1300" b="1" dirty="0">
               <a:solidFill>
                 <a:schemeClr val="dk2"/>
               </a:solidFill>
@@ -15750,7 +15734,7 @@
               </a:spcAft>
               <a:buNone/>
             </a:pPr>
-            <a:endParaRPr sz="1200">
+            <a:endParaRPr sz="1200" dirty="0">
               <a:solidFill>
                 <a:schemeClr val="dk2"/>
               </a:solidFill>
